--- a/Programacao II/SLIDES/PII_Aula_01..pptx
+++ b/Programacao II/SLIDES/PII_Aula_01..pptx
@@ -11,7 +11,7 @@
     <p:handoutMasterId r:id="rId18"/>
   </p:handoutMasterIdLst>
   <p:sldIdLst>
-    <p:sldId id="256" r:id="rId2"/>
+    <p:sldId id="293" r:id="rId2"/>
     <p:sldId id="261" r:id="rId3"/>
     <p:sldId id="282" r:id="rId4"/>
     <p:sldId id="257" r:id="rId5"/>
@@ -226,7 +226,7 @@
           <a:p>
             <a:fld id="{0D6042A3-0B4D-4B7E-B5DF-C74B5157F851}" type="datetimeFigureOut">
               <a:rPr lang="pt-BR" smtClean="0"/>
-              <a:t>28/02/2018</a:t>
+              <a:t>01/08/2018</a:t>
             </a:fld>
             <a:endParaRPr lang="pt-BR"/>
           </a:p>
@@ -403,7 +403,7 @@
           <a:p>
             <a:fld id="{C8D94D05-F877-4447-A135-C5020AC71E43}" type="datetimeFigureOut">
               <a:rPr lang="pt-BR" smtClean="0"/>
-              <a:t>28/02/2018</a:t>
+              <a:t>01/08/2018</a:t>
             </a:fld>
             <a:endParaRPr lang="pt-BR"/>
           </a:p>
@@ -4604,29 +4604,30 @@
             <p:ph type="ctrTitle"/>
           </p:nvPr>
         </p:nvSpPr>
-        <p:spPr/>
+        <p:spPr>
+          <a:xfrm>
+            <a:off x="419100" y="528182"/>
+            <a:ext cx="11150599" cy="1653043"/>
+          </a:xfrm>
+        </p:spPr>
         <p:txBody>
           <a:bodyPr>
-            <a:normAutofit/>
+            <a:normAutofit fontScale="90000"/>
           </a:bodyPr>
           <a:lstStyle/>
           <a:p>
             <a:r>
-              <a:rPr lang="en-US" dirty="0" err="1"/>
-              <a:t>Programação</a:t>
-            </a:r>
-            <a:r>
-              <a:rPr lang="en-US" dirty="0"/>
-              <a:t> II</a:t>
+              <a:rPr lang="en-US" b="1" dirty="0"/>
+              <a:t>PROGRAMAÇÃO II</a:t>
             </a:r>
             <a:br>
               <a:rPr lang="en-US" dirty="0"/>
             </a:br>
             <a:r>
-              <a:rPr lang="en-US" dirty="0"/>
-              <a:t>(Aula 1)</a:t>
-            </a:r>
-            <a:endParaRPr lang="pt-BR" dirty="0"/>
+              <a:rPr lang="en-US" i="1" dirty="0"/>
+              <a:t>CCT0418</a:t>
+            </a:r>
+            <a:endParaRPr lang="pt-BR" b="1" dirty="0"/>
           </a:p>
         </p:txBody>
       </p:sp>
@@ -4640,38 +4641,239 @@
             <p:ph type="subTitle" idx="1"/>
           </p:nvPr>
         </p:nvSpPr>
-        <p:spPr/>
+        <p:spPr>
+          <a:xfrm>
+            <a:off x="1524000" y="2438400"/>
+            <a:ext cx="9144000" cy="4051852"/>
+          </a:xfrm>
+        </p:spPr>
         <p:txBody>
           <a:bodyPr>
-            <a:normAutofit fontScale="92500" lnSpcReduction="10000"/>
+            <a:normAutofit fontScale="85000" lnSpcReduction="20000"/>
           </a:bodyPr>
           <a:lstStyle/>
           <a:p>
             <a:r>
-              <a:rPr lang="en-US"/>
+              <a:rPr lang="en-US" dirty="0"/>
               <a:t>Prof. André Luiz Braga</a:t>
             </a:r>
           </a:p>
           <a:p>
             <a:r>
-              <a:rPr lang="en-US"/>
-              <a:t>M.Sc - COPPE/UFRJ</a:t>
-            </a:r>
-          </a:p>
-          <a:p>
-            <a:r>
-              <a:rPr lang="en-US"/>
-              <a:t>D.Sc – IBM Silicon Valley Lab / COPPE / UFRJ</a:t>
-            </a:r>
-          </a:p>
-          <a:p>
-            <a:r>
-              <a:rPr lang="en-US"/>
+              <a:rPr lang="en-US" dirty="0" err="1"/>
+              <a:t>M.Sc</a:t>
+            </a:r>
+            <a:r>
+              <a:rPr lang="en-US" dirty="0"/>
+              <a:t> - COPPE/UFRJ</a:t>
+            </a:r>
+          </a:p>
+          <a:p>
+            <a:r>
+              <a:rPr lang="en-US" dirty="0" err="1"/>
+              <a:t>D.Sc</a:t>
+            </a:r>
+            <a:r>
+              <a:rPr lang="en-US" dirty="0"/>
+              <a:t> – IBM Silicon Valley Lab / COPPE / UFRJ</a:t>
+            </a:r>
+          </a:p>
+          <a:p>
+            <a:r>
+              <a:rPr lang="en-US" dirty="0"/>
               <a:t>IBM Certified Sr. IT Architect / Open Group</a:t>
             </a:r>
           </a:p>
           <a:p>
-            <a:endParaRPr lang="en-US"/>
+            <a:endParaRPr lang="en-US" dirty="0"/>
+          </a:p>
+          <a:p>
+            <a:r>
+              <a:rPr lang="en-US" sz="2600" b="1" dirty="0">
+                <a:latin typeface="Courier New" panose="02070309020205020404" pitchFamily="49" charset="0"/>
+                <a:cs typeface="Courier New" panose="02070309020205020404" pitchFamily="49" charset="0"/>
+              </a:rPr>
+              <a:t>Email:  </a:t>
+            </a:r>
+            <a:r>
+              <a:rPr lang="en-US" sz="2600" b="1" dirty="0">
+                <a:latin typeface="Courier New" panose="02070309020205020404" pitchFamily="49" charset="0"/>
+                <a:cs typeface="Courier New" panose="02070309020205020404" pitchFamily="49" charset="0"/>
+                <a:hlinkClick r:id="rId2"/>
+              </a:rPr>
+              <a:t>andre.luiz.braga2000@gmail.com</a:t>
+            </a:r>
+            <a:endParaRPr lang="en-US" sz="2600" b="1" dirty="0">
+              <a:latin typeface="Courier New" panose="02070309020205020404" pitchFamily="49" charset="0"/>
+              <a:cs typeface="Courier New" panose="02070309020205020404" pitchFamily="49" charset="0"/>
+            </a:endParaRPr>
+          </a:p>
+          <a:p>
+            <a:endParaRPr lang="en-US" sz="2600" b="1" dirty="0">
+              <a:latin typeface="Courier New" panose="02070309020205020404" pitchFamily="49" charset="0"/>
+              <a:cs typeface="Courier New" panose="02070309020205020404" pitchFamily="49" charset="0"/>
+            </a:endParaRPr>
+          </a:p>
+          <a:p>
+            <a:r>
+              <a:rPr lang="en-US" sz="2600" b="1" dirty="0">
+                <a:latin typeface="Courier New" panose="02070309020205020404" pitchFamily="49" charset="0"/>
+                <a:cs typeface="Courier New" panose="02070309020205020404" pitchFamily="49" charset="0"/>
+              </a:rPr>
+              <a:t>(Favor </a:t>
+            </a:r>
+            <a:r>
+              <a:rPr lang="en-US" sz="2600" b="1" dirty="0" err="1">
+                <a:latin typeface="Courier New" panose="02070309020205020404" pitchFamily="49" charset="0"/>
+                <a:cs typeface="Courier New" panose="02070309020205020404" pitchFamily="49" charset="0"/>
+              </a:rPr>
+              <a:t>enviar</a:t>
+            </a:r>
+            <a:r>
+              <a:rPr lang="en-US" sz="2600" b="1" dirty="0">
+                <a:latin typeface="Courier New" panose="02070309020205020404" pitchFamily="49" charset="0"/>
+                <a:cs typeface="Courier New" panose="02070309020205020404" pitchFamily="49" charset="0"/>
+              </a:rPr>
+              <a:t> um email com o assunto “CCT0418-&lt;</a:t>
+            </a:r>
+            <a:r>
+              <a:rPr lang="en-US" sz="2600" b="1" dirty="0" err="1">
+                <a:latin typeface="Courier New" panose="02070309020205020404" pitchFamily="49" charset="0"/>
+                <a:cs typeface="Courier New" panose="02070309020205020404" pitchFamily="49" charset="0"/>
+              </a:rPr>
+              <a:t>Turma</a:t>
+            </a:r>
+            <a:r>
+              <a:rPr lang="en-US" sz="2600" b="1" dirty="0">
+                <a:latin typeface="Courier New" panose="02070309020205020404" pitchFamily="49" charset="0"/>
+                <a:cs typeface="Courier New" panose="02070309020205020404" pitchFamily="49" charset="0"/>
+              </a:rPr>
+              <a:t>&gt;” para ser </a:t>
+            </a:r>
+            <a:r>
+              <a:rPr lang="en-US" sz="2600" b="1" dirty="0" err="1">
+                <a:latin typeface="Courier New" panose="02070309020205020404" pitchFamily="49" charset="0"/>
+                <a:cs typeface="Courier New" panose="02070309020205020404" pitchFamily="49" charset="0"/>
+              </a:rPr>
+              <a:t>incluído</a:t>
+            </a:r>
+            <a:r>
+              <a:rPr lang="en-US" sz="2600" b="1" dirty="0">
+                <a:latin typeface="Courier New" panose="02070309020205020404" pitchFamily="49" charset="0"/>
+                <a:cs typeface="Courier New" panose="02070309020205020404" pitchFamily="49" charset="0"/>
+              </a:rPr>
+              <a:t> </a:t>
+            </a:r>
+            <a:r>
+              <a:rPr lang="en-US" sz="2600" b="1" dirty="0" err="1">
+                <a:latin typeface="Courier New" panose="02070309020205020404" pitchFamily="49" charset="0"/>
+                <a:cs typeface="Courier New" panose="02070309020205020404" pitchFamily="49" charset="0"/>
+              </a:rPr>
+              <a:t>na</a:t>
+            </a:r>
+            <a:r>
+              <a:rPr lang="en-US" sz="2600" b="1" dirty="0">
+                <a:latin typeface="Courier New" panose="02070309020205020404" pitchFamily="49" charset="0"/>
+                <a:cs typeface="Courier New" panose="02070309020205020404" pitchFamily="49" charset="0"/>
+              </a:rPr>
+              <a:t> lista de </a:t>
+            </a:r>
+            <a:r>
+              <a:rPr lang="en-US" sz="2600" b="1" dirty="0" err="1">
+                <a:latin typeface="Courier New" panose="02070309020205020404" pitchFamily="49" charset="0"/>
+                <a:cs typeface="Courier New" panose="02070309020205020404" pitchFamily="49" charset="0"/>
+              </a:rPr>
+              <a:t>distribuição</a:t>
+            </a:r>
+            <a:r>
+              <a:rPr lang="en-US" sz="2600" b="1" dirty="0">
+                <a:latin typeface="Courier New" panose="02070309020205020404" pitchFamily="49" charset="0"/>
+                <a:cs typeface="Courier New" panose="02070309020205020404" pitchFamily="49" charset="0"/>
+              </a:rPr>
+              <a:t>)</a:t>
+            </a:r>
+          </a:p>
+          <a:p>
+            <a:endParaRPr lang="en-US" sz="2600" b="1" dirty="0">
+              <a:latin typeface="Courier New" panose="02070309020205020404" pitchFamily="49" charset="0"/>
+              <a:cs typeface="Courier New" panose="02070309020205020404" pitchFamily="49" charset="0"/>
+            </a:endParaRPr>
+          </a:p>
+          <a:p>
+            <a:r>
+              <a:rPr lang="en-US" sz="2600" b="1" dirty="0">
+                <a:latin typeface="Courier New" panose="02070309020205020404" pitchFamily="49" charset="0"/>
+                <a:cs typeface="Courier New" panose="02070309020205020404" pitchFamily="49" charset="0"/>
+              </a:rPr>
+              <a:t>Material do </a:t>
+            </a:r>
+            <a:r>
+              <a:rPr lang="en-US" sz="2600" b="1" dirty="0" err="1">
+                <a:latin typeface="Courier New" panose="02070309020205020404" pitchFamily="49" charset="0"/>
+                <a:cs typeface="Courier New" panose="02070309020205020404" pitchFamily="49" charset="0"/>
+              </a:rPr>
+              <a:t>curso</a:t>
+            </a:r>
+            <a:r>
+              <a:rPr lang="en-US" sz="2600" b="1" dirty="0">
+                <a:latin typeface="Courier New" panose="02070309020205020404" pitchFamily="49" charset="0"/>
+                <a:cs typeface="Courier New" panose="02070309020205020404" pitchFamily="49" charset="0"/>
+              </a:rPr>
+              <a:t> </a:t>
+            </a:r>
+            <a:r>
+              <a:rPr lang="en-US" sz="2600" b="1" dirty="0" err="1">
+                <a:latin typeface="Courier New" panose="02070309020205020404" pitchFamily="49" charset="0"/>
+                <a:cs typeface="Courier New" panose="02070309020205020404" pitchFamily="49" charset="0"/>
+              </a:rPr>
+              <a:t>disponível</a:t>
+            </a:r>
+            <a:r>
+              <a:rPr lang="en-US" sz="2600" b="1" dirty="0">
+                <a:latin typeface="Courier New" panose="02070309020205020404" pitchFamily="49" charset="0"/>
+                <a:cs typeface="Courier New" panose="02070309020205020404" pitchFamily="49" charset="0"/>
+              </a:rPr>
+              <a:t> </a:t>
+            </a:r>
+            <a:r>
+              <a:rPr lang="en-US" sz="2600" b="1" dirty="0" err="1">
+                <a:latin typeface="Courier New" panose="02070309020205020404" pitchFamily="49" charset="0"/>
+                <a:cs typeface="Courier New" panose="02070309020205020404" pitchFamily="49" charset="0"/>
+              </a:rPr>
+              <a:t>em</a:t>
+            </a:r>
+            <a:r>
+              <a:rPr lang="en-US" sz="2600" b="1" dirty="0">
+                <a:latin typeface="Courier New" panose="02070309020205020404" pitchFamily="49" charset="0"/>
+                <a:cs typeface="Courier New" panose="02070309020205020404" pitchFamily="49" charset="0"/>
+              </a:rPr>
+              <a:t>: </a:t>
+            </a:r>
+            <a:r>
+              <a:rPr lang="en-US" sz="2800" dirty="0">
+                <a:sym typeface="Wingdings" panose="05000000000000000000" pitchFamily="2" charset="2"/>
+                <a:hlinkClick r:id="rId3"/>
+              </a:rPr>
+              <a:t>https://github.com/andrelb2000/CURSOS</a:t>
+            </a:r>
+            <a:endParaRPr lang="en-US" sz="2800" dirty="0">
+              <a:sym typeface="Wingdings" panose="05000000000000000000" pitchFamily="2" charset="2"/>
+            </a:endParaRPr>
+          </a:p>
+          <a:p>
+            <a:endParaRPr lang="en-US" sz="2600" b="1" dirty="0">
+              <a:latin typeface="Courier New" panose="02070309020205020404" pitchFamily="49" charset="0"/>
+              <a:cs typeface="Courier New" panose="02070309020205020404" pitchFamily="49" charset="0"/>
+            </a:endParaRPr>
+          </a:p>
+          <a:p>
+            <a:endParaRPr lang="en-US" dirty="0">
+              <a:latin typeface="Courier New" panose="02070309020205020404" pitchFamily="49" charset="0"/>
+              <a:cs typeface="Courier New" panose="02070309020205020404" pitchFamily="49" charset="0"/>
+            </a:endParaRPr>
+          </a:p>
+          <a:p>
+            <a:endParaRPr lang="en-US" dirty="0"/>
           </a:p>
           <a:p>
             <a:endParaRPr lang="pt-BR" dirty="0"/>
@@ -4681,13 +4883,21 @@
     </p:spTree>
     <p:extLst>
       <p:ext uri="{BB962C8B-B14F-4D97-AF65-F5344CB8AC3E}">
-        <p14:creationId xmlns:p14="http://schemas.microsoft.com/office/powerpoint/2010/main" val="1089134622"/>
+        <p14:creationId xmlns:p14="http://schemas.microsoft.com/office/powerpoint/2010/main" val="1838734235"/>
       </p:ext>
     </p:extLst>
   </p:cSld>
   <p:clrMapOvr>
     <a:masterClrMapping/>
   </p:clrMapOvr>
+  <mc:AlternateContent xmlns:mc="http://schemas.openxmlformats.org/markup-compatibility/2006" xmlns:p14="http://schemas.microsoft.com/office/powerpoint/2010/main">
+    <mc:Choice Requires="p14">
+      <p:transition spd="slow" p14:dur="2000" advTm="3000"/>
+    </mc:Choice>
+    <mc:Fallback xmlns="">
+      <p:transition spd="slow" advTm="3000"/>
+    </mc:Fallback>
+  </mc:AlternateContent>
 </p:sld>
 </file>
 
@@ -6850,27 +7060,24 @@
             <p:ph type="title"/>
           </p:nvPr>
         </p:nvSpPr>
-        <p:spPr/>
-        <p:txBody>
-          <a:bodyPr/>
-          <a:lstStyle/>
-          <a:p>
-            <a:r>
-              <a:rPr lang="en-US" dirty="0" err="1"/>
-              <a:t>Programação</a:t>
-            </a:r>
-            <a:r>
-              <a:rPr lang="en-US" dirty="0"/>
-              <a:t> II</a:t>
-            </a:r>
-            <a:br>
-              <a:rPr lang="en-US" dirty="0"/>
-            </a:br>
-            <a:r>
-              <a:rPr lang="en-US" b="1" i="1" dirty="0" err="1"/>
+        <p:spPr>
+          <a:xfrm>
+            <a:off x="845127" y="365760"/>
+            <a:ext cx="10515600" cy="677228"/>
+          </a:xfrm>
+        </p:spPr>
+        <p:txBody>
+          <a:bodyPr>
+            <a:normAutofit fontScale="90000"/>
+          </a:bodyPr>
+          <a:lstStyle/>
+          <a:p>
+            <a:pPr algn="ctr"/>
+            <a:r>
+              <a:rPr lang="en-US" sz="6000" b="1" i="1" dirty="0" err="1"/>
               <a:t>Avisos</a:t>
             </a:r>
-            <a:endParaRPr lang="pt-BR" b="1" i="1" dirty="0">
+            <a:endParaRPr lang="pt-BR" sz="6000" b="1" i="1" dirty="0">
               <a:solidFill>
                 <a:schemeClr val="tx1"/>
               </a:solidFill>
@@ -6888,7 +7095,12 @@
             <p:ph idx="1"/>
           </p:nvPr>
         </p:nvSpPr>
-        <p:spPr/>
+        <p:spPr>
+          <a:xfrm>
+            <a:off x="780785" y="1042988"/>
+            <a:ext cx="11013044" cy="7680099"/>
+          </a:xfrm>
+        </p:spPr>
         <p:txBody>
           <a:bodyPr>
             <a:normAutofit/>
@@ -6896,47 +7108,27 @@
           <a:lstStyle/>
           <a:p>
             <a:pPr>
-              <a:buFont typeface="+mj-lt"/>
-              <a:buAutoNum type="arabicPeriod"/>
-            </a:pPr>
-            <a:r>
-              <a:rPr lang="pt-BR" dirty="0"/>
-              <a:t>AV1, AV2 </a:t>
-            </a:r>
-            <a:r>
-              <a:rPr lang="pt-BR" dirty="0">
-                <a:sym typeface="Wingdings" panose="05000000000000000000" pitchFamily="2" charset="2"/>
-              </a:rPr>
-              <a:t> 50% prova Escrita + 50% Trabalho Prático</a:t>
-            </a:r>
-            <a:endParaRPr lang="pt-BR" dirty="0"/>
-          </a:p>
-          <a:p>
-            <a:pPr>
-              <a:buFont typeface="+mj-lt"/>
-              <a:buAutoNum type="arabicPeriod"/>
-            </a:pPr>
-            <a:r>
-              <a:rPr lang="pt-BR" dirty="0"/>
-              <a:t> AV3 </a:t>
-            </a:r>
-            <a:r>
-              <a:rPr lang="pt-BR" dirty="0">
-                <a:sym typeface="Wingdings" panose="05000000000000000000" pitchFamily="2" charset="2"/>
-              </a:rPr>
-              <a:t>Prova</a:t>
-            </a:r>
-          </a:p>
-          <a:p>
-            <a:pPr>
-              <a:buFont typeface="+mj-lt"/>
-              <a:buAutoNum type="arabicPeriod"/>
+              <a:spcAft>
+                <a:spcPts val="600"/>
+              </a:spcAft>
             </a:pPr>
             <a:r>
               <a:rPr lang="en-US" dirty="0" err="1">
                 <a:sym typeface="Wingdings" panose="05000000000000000000" pitchFamily="2" charset="2"/>
               </a:rPr>
-              <a:t>Provas</a:t>
+              <a:t>Todo</a:t>
+            </a:r>
+            <a:r>
+              <a:rPr lang="en-US" dirty="0">
+                <a:sym typeface="Wingdings" panose="05000000000000000000" pitchFamily="2" charset="2"/>
+              </a:rPr>
+              <a:t> material do </a:t>
+            </a:r>
+            <a:r>
+              <a:rPr lang="en-US" dirty="0" err="1">
+                <a:sym typeface="Wingdings" panose="05000000000000000000" pitchFamily="2" charset="2"/>
+              </a:rPr>
+              <a:t>curso</a:t>
             </a:r>
             <a:r>
               <a:rPr lang="en-US" dirty="0">
@@ -6948,7 +7140,7 @@
               <a:rPr lang="en-US" dirty="0" err="1">
                 <a:sym typeface="Wingdings" panose="05000000000000000000" pitchFamily="2" charset="2"/>
               </a:rPr>
-              <a:t>são</a:t>
+              <a:t>estará</a:t>
             </a:r>
             <a:r>
               <a:rPr lang="en-US" dirty="0">
@@ -6960,19 +7152,243 @@
               <a:rPr lang="en-US" dirty="0" err="1">
                 <a:sym typeface="Wingdings" panose="05000000000000000000" pitchFamily="2" charset="2"/>
               </a:rPr>
-              <a:t>nominais</a:t>
+              <a:t>disponível</a:t>
             </a:r>
             <a:r>
               <a:rPr lang="en-US" dirty="0">
                 <a:sym typeface="Wingdings" panose="05000000000000000000" pitchFamily="2" charset="2"/>
               </a:rPr>
-              <a:t>, </a:t>
+              <a:t> no site </a:t>
             </a:r>
             <a:r>
               <a:rPr lang="en-US" dirty="0" err="1">
                 <a:sym typeface="Wingdings" panose="05000000000000000000" pitchFamily="2" charset="2"/>
               </a:rPr>
-              <a:t>não</a:t>
+              <a:t>abaixo</a:t>
+            </a:r>
+            <a:r>
+              <a:rPr lang="en-US" dirty="0">
+                <a:sym typeface="Wingdings" panose="05000000000000000000" pitchFamily="2" charset="2"/>
+              </a:rPr>
+              <a:t>:</a:t>
+            </a:r>
+          </a:p>
+          <a:p>
+            <a:pPr lvl="1">
+              <a:spcAft>
+                <a:spcPts val="600"/>
+              </a:spcAft>
+            </a:pPr>
+            <a:r>
+              <a:rPr lang="en-US" dirty="0">
+                <a:sym typeface="Wingdings" panose="05000000000000000000" pitchFamily="2" charset="2"/>
+                <a:hlinkClick r:id="rId3"/>
+              </a:rPr>
+              <a:t>https://github.com/andrelb2000/CURSOS</a:t>
+            </a:r>
+            <a:endParaRPr lang="en-US" dirty="0">
+              <a:sym typeface="Wingdings" panose="05000000000000000000" pitchFamily="2" charset="2"/>
+            </a:endParaRPr>
+          </a:p>
+          <a:p>
+            <a:pPr>
+              <a:spcAft>
+                <a:spcPts val="600"/>
+              </a:spcAft>
+            </a:pPr>
+            <a:r>
+              <a:rPr lang="en-US" b="1" dirty="0">
+                <a:latin typeface="Courier New" panose="02070309020205020404" pitchFamily="49" charset="0"/>
+                <a:cs typeface="Courier New" panose="02070309020205020404" pitchFamily="49" charset="0"/>
+              </a:rPr>
+              <a:t>Favor </a:t>
+            </a:r>
+            <a:r>
+              <a:rPr lang="en-US" b="1" dirty="0" err="1">
+                <a:latin typeface="Courier New" panose="02070309020205020404" pitchFamily="49" charset="0"/>
+                <a:cs typeface="Courier New" panose="02070309020205020404" pitchFamily="49" charset="0"/>
+              </a:rPr>
+              <a:t>enviar</a:t>
+            </a:r>
+            <a:r>
+              <a:rPr lang="en-US" b="1" dirty="0">
+                <a:latin typeface="Courier New" panose="02070309020205020404" pitchFamily="49" charset="0"/>
+                <a:cs typeface="Courier New" panose="02070309020205020404" pitchFamily="49" charset="0"/>
+              </a:rPr>
+              <a:t> um email COM SEU NOME para:</a:t>
+            </a:r>
+          </a:p>
+          <a:p>
+            <a:pPr lvl="1">
+              <a:spcAft>
+                <a:spcPts val="600"/>
+              </a:spcAft>
+            </a:pPr>
+            <a:r>
+              <a:rPr lang="en-US" b="1" dirty="0">
+                <a:latin typeface="Courier New" panose="02070309020205020404" pitchFamily="49" charset="0"/>
+                <a:cs typeface="Courier New" panose="02070309020205020404" pitchFamily="49" charset="0"/>
+                <a:hlinkClick r:id="rId4"/>
+              </a:rPr>
+              <a:t>andre.luiz.braga2000@gmail.com</a:t>
+            </a:r>
+            <a:endParaRPr lang="en-US" b="1" dirty="0">
+              <a:latin typeface="Courier New" panose="02070309020205020404" pitchFamily="49" charset="0"/>
+              <a:cs typeface="Courier New" panose="02070309020205020404" pitchFamily="49" charset="0"/>
+            </a:endParaRPr>
+          </a:p>
+          <a:p>
+            <a:pPr lvl="1">
+              <a:spcAft>
+                <a:spcPts val="600"/>
+              </a:spcAft>
+            </a:pPr>
+            <a:r>
+              <a:rPr lang="en-US" b="1" dirty="0">
+                <a:latin typeface="Courier New" panose="02070309020205020404" pitchFamily="49" charset="0"/>
+                <a:cs typeface="Courier New" panose="02070309020205020404" pitchFamily="49" charset="0"/>
+              </a:rPr>
+              <a:t>ASSUNTO: Assunto “CCT0418-&lt;TURMA&gt;” </a:t>
+            </a:r>
+          </a:p>
+          <a:p>
+            <a:pPr lvl="1">
+              <a:spcAft>
+                <a:spcPts val="600"/>
+              </a:spcAft>
+            </a:pPr>
+            <a:r>
+              <a:rPr lang="en-US" b="1" dirty="0">
+                <a:latin typeface="Courier New" panose="02070309020205020404" pitchFamily="49" charset="0"/>
+                <a:cs typeface="Courier New" panose="02070309020205020404" pitchFamily="49" charset="0"/>
+              </a:rPr>
+              <a:t>Para quem faz mais de </a:t>
+            </a:r>
+            <a:r>
+              <a:rPr lang="en-US" b="1" dirty="0" err="1">
+                <a:latin typeface="Courier New" panose="02070309020205020404" pitchFamily="49" charset="0"/>
+                <a:cs typeface="Courier New" panose="02070309020205020404" pitchFamily="49" charset="0"/>
+              </a:rPr>
+              <a:t>uma</a:t>
+            </a:r>
+            <a:r>
+              <a:rPr lang="en-US" b="1" dirty="0">
+                <a:latin typeface="Courier New" panose="02070309020205020404" pitchFamily="49" charset="0"/>
+                <a:cs typeface="Courier New" panose="02070309020205020404" pitchFamily="49" charset="0"/>
+              </a:rPr>
+              <a:t> </a:t>
+            </a:r>
+            <a:r>
+              <a:rPr lang="en-US" b="1" dirty="0" err="1">
+                <a:latin typeface="Courier New" panose="02070309020205020404" pitchFamily="49" charset="0"/>
+                <a:cs typeface="Courier New" panose="02070309020205020404" pitchFamily="49" charset="0"/>
+              </a:rPr>
+              <a:t>disciplina</a:t>
+            </a:r>
+            <a:r>
+              <a:rPr lang="en-US" b="1" dirty="0">
+                <a:latin typeface="Courier New" panose="02070309020205020404" pitchFamily="49" charset="0"/>
+                <a:cs typeface="Courier New" panose="02070309020205020404" pitchFamily="49" charset="0"/>
+              </a:rPr>
+              <a:t> comigo, </a:t>
+            </a:r>
+            <a:r>
+              <a:rPr lang="en-US" b="1" dirty="0" err="1">
+                <a:latin typeface="Courier New" panose="02070309020205020404" pitchFamily="49" charset="0"/>
+                <a:cs typeface="Courier New" panose="02070309020205020404" pitchFamily="49" charset="0"/>
+              </a:rPr>
+              <a:t>sempre</a:t>
+            </a:r>
+            <a:r>
+              <a:rPr lang="en-US" b="1" dirty="0">
+                <a:latin typeface="Courier New" panose="02070309020205020404" pitchFamily="49" charset="0"/>
+                <a:cs typeface="Courier New" panose="02070309020205020404" pitchFamily="49" charset="0"/>
+              </a:rPr>
+              <a:t> colocar “CCT0418-&lt;TURMA&gt;” quando me mandar email</a:t>
+            </a:r>
+          </a:p>
+          <a:p>
+            <a:pPr lvl="1">
+              <a:spcAft>
+                <a:spcPts val="600"/>
+              </a:spcAft>
+            </a:pPr>
+            <a:r>
+              <a:rPr lang="en-US" b="1" dirty="0">
+                <a:latin typeface="Courier New" panose="02070309020205020404" pitchFamily="49" charset="0"/>
+                <a:cs typeface="Courier New" panose="02070309020205020404" pitchFamily="49" charset="0"/>
+              </a:rPr>
+              <a:t>Para ser </a:t>
+            </a:r>
+            <a:r>
+              <a:rPr lang="en-US" b="1" dirty="0" err="1">
+                <a:latin typeface="Courier New" panose="02070309020205020404" pitchFamily="49" charset="0"/>
+                <a:cs typeface="Courier New" panose="02070309020205020404" pitchFamily="49" charset="0"/>
+              </a:rPr>
+              <a:t>incluído</a:t>
+            </a:r>
+            <a:r>
+              <a:rPr lang="en-US" b="1" dirty="0">
+                <a:latin typeface="Courier New" panose="02070309020205020404" pitchFamily="49" charset="0"/>
+                <a:cs typeface="Courier New" panose="02070309020205020404" pitchFamily="49" charset="0"/>
+              </a:rPr>
+              <a:t> </a:t>
+            </a:r>
+            <a:r>
+              <a:rPr lang="en-US" b="1" dirty="0" err="1">
+                <a:latin typeface="Courier New" panose="02070309020205020404" pitchFamily="49" charset="0"/>
+                <a:cs typeface="Courier New" panose="02070309020205020404" pitchFamily="49" charset="0"/>
+              </a:rPr>
+              <a:t>na</a:t>
+            </a:r>
+            <a:r>
+              <a:rPr lang="en-US" b="1" dirty="0">
+                <a:latin typeface="Courier New" panose="02070309020205020404" pitchFamily="49" charset="0"/>
+                <a:cs typeface="Courier New" panose="02070309020205020404" pitchFamily="49" charset="0"/>
+              </a:rPr>
+              <a:t> lista de </a:t>
+            </a:r>
+            <a:r>
+              <a:rPr lang="en-US" b="1" dirty="0" err="1">
+                <a:latin typeface="Courier New" panose="02070309020205020404" pitchFamily="49" charset="0"/>
+                <a:cs typeface="Courier New" panose="02070309020205020404" pitchFamily="49" charset="0"/>
+              </a:rPr>
+              <a:t>distribuição</a:t>
+            </a:r>
+            <a:endParaRPr lang="en-US" b="1" dirty="0">
+              <a:latin typeface="Courier New" panose="02070309020205020404" pitchFamily="49" charset="0"/>
+              <a:cs typeface="Courier New" panose="02070309020205020404" pitchFamily="49" charset="0"/>
+            </a:endParaRPr>
+          </a:p>
+          <a:p>
+            <a:pPr>
+              <a:spcAft>
+                <a:spcPts val="600"/>
+              </a:spcAft>
+            </a:pPr>
+            <a:r>
+              <a:rPr lang="en-US" dirty="0">
+                <a:sym typeface="Wingdings" panose="05000000000000000000" pitchFamily="2" charset="2"/>
+              </a:rPr>
+              <a:t>A AV1 </a:t>
+            </a:r>
+            <a:r>
+              <a:rPr lang="en-US" dirty="0" err="1">
+                <a:sym typeface="Wingdings" panose="05000000000000000000" pitchFamily="2" charset="2"/>
+              </a:rPr>
+              <a:t>valerá</a:t>
+            </a:r>
+            <a:r>
+              <a:rPr lang="en-US" dirty="0">
+                <a:sym typeface="Wingdings" panose="05000000000000000000" pitchFamily="2" charset="2"/>
+              </a:rPr>
+              <a:t> 50% e  o trabalho </a:t>
+            </a:r>
+            <a:r>
+              <a:rPr lang="en-US" dirty="0" err="1">
+                <a:sym typeface="Wingdings" panose="05000000000000000000" pitchFamily="2" charset="2"/>
+              </a:rPr>
+              <a:t>prático</a:t>
             </a:r>
             <a:r>
               <a:rPr lang="en-US" dirty="0">
@@ -6984,257 +7400,88 @@
               <a:rPr lang="en-US" dirty="0" err="1">
                 <a:sym typeface="Wingdings" panose="05000000000000000000" pitchFamily="2" charset="2"/>
               </a:rPr>
-              <a:t>tem</a:t>
+              <a:t>os</a:t>
             </a:r>
             <a:r>
               <a:rPr lang="en-US" dirty="0">
                 <a:sym typeface="Wingdings" panose="05000000000000000000" pitchFamily="2" charset="2"/>
               </a:rPr>
-              <a:t> </a:t>
+              <a:t> outros 50%</a:t>
+            </a:r>
+          </a:p>
+          <a:p>
+            <a:pPr>
+              <a:spcAft>
+                <a:spcPts val="600"/>
+              </a:spcAft>
+            </a:pPr>
+            <a:r>
+              <a:rPr lang="en-US" dirty="0">
+                <a:sym typeface="Wingdings" panose="05000000000000000000" pitchFamily="2" charset="2"/>
+              </a:rPr>
+              <a:t>As provas (AV1, AV2 e AV3 </a:t>
             </a:r>
             <a:r>
               <a:rPr lang="en-US" dirty="0" err="1">
                 <a:sym typeface="Wingdings" panose="05000000000000000000" pitchFamily="2" charset="2"/>
               </a:rPr>
-              <a:t>como</a:t>
+              <a:t>terão</a:t>
             </a:r>
             <a:r>
               <a:rPr lang="en-US" dirty="0">
                 <a:sym typeface="Wingdings" panose="05000000000000000000" pitchFamily="2" charset="2"/>
               </a:rPr>
-              <a:t> </a:t>
+              <a:t> parte </a:t>
             </a:r>
             <a:r>
               <a:rPr lang="en-US" dirty="0" err="1">
                 <a:sym typeface="Wingdings" panose="05000000000000000000" pitchFamily="2" charset="2"/>
               </a:rPr>
-              <a:t>fazer</a:t>
+              <a:t>Objetiva</a:t>
             </a:r>
             <a:r>
               <a:rPr lang="en-US" dirty="0">
                 <a:sym typeface="Wingdings" panose="05000000000000000000" pitchFamily="2" charset="2"/>
               </a:rPr>
-              <a:t> </a:t>
+              <a:t> e parte </a:t>
             </a:r>
             <a:r>
               <a:rPr lang="en-US" dirty="0" err="1">
                 <a:sym typeface="Wingdings" panose="05000000000000000000" pitchFamily="2" charset="2"/>
               </a:rPr>
-              <a:t>em</a:t>
+              <a:t>Discursiva</a:t>
             </a:r>
             <a:r>
               <a:rPr lang="en-US" dirty="0">
                 <a:sym typeface="Wingdings" panose="05000000000000000000" pitchFamily="2" charset="2"/>
               </a:rPr>
-              <a:t> </a:t>
+              <a:t> (</a:t>
             </a:r>
             <a:r>
               <a:rPr lang="en-US" dirty="0" err="1">
                 <a:sym typeface="Wingdings" panose="05000000000000000000" pitchFamily="2" charset="2"/>
               </a:rPr>
-              <a:t>outra</a:t>
+              <a:t>Escritas</a:t>
             </a:r>
             <a:r>
               <a:rPr lang="en-US" dirty="0">
                 <a:sym typeface="Wingdings" panose="05000000000000000000" pitchFamily="2" charset="2"/>
               </a:rPr>
-              <a:t> </a:t>
-            </a:r>
-            <a:r>
-              <a:rPr lang="en-US" dirty="0" err="1">
-                <a:sym typeface="Wingdings" panose="05000000000000000000" pitchFamily="2" charset="2"/>
-              </a:rPr>
-              <a:t>turma</a:t>
-            </a:r>
-            <a:r>
-              <a:rPr lang="en-US" dirty="0">
-                <a:sym typeface="Wingdings" panose="05000000000000000000" pitchFamily="2" charset="2"/>
-              </a:rPr>
-              <a:t>.</a:t>
-            </a:r>
-            <a:endParaRPr lang="pt-BR" dirty="0">
-              <a:sym typeface="Wingdings" panose="05000000000000000000" pitchFamily="2" charset="2"/>
-            </a:endParaRPr>
-          </a:p>
-          <a:p>
-            <a:pPr>
-              <a:buFont typeface="+mj-lt"/>
-              <a:buAutoNum type="arabicPeriod"/>
+              <a:t>)</a:t>
+            </a:r>
+          </a:p>
+          <a:p>
+            <a:pPr marL="0" indent="0">
+              <a:buNone/>
             </a:pPr>
-            <a:r>
-              <a:rPr lang="en-US" dirty="0" err="1">
-                <a:sym typeface="Wingdings" panose="05000000000000000000" pitchFamily="2" charset="2"/>
-              </a:rPr>
-              <a:t>Trabalhos</a:t>
-            </a:r>
-            <a:r>
-              <a:rPr lang="en-US" dirty="0">
-                <a:sym typeface="Wingdings" panose="05000000000000000000" pitchFamily="2" charset="2"/>
-              </a:rPr>
-              <a:t> </a:t>
-            </a:r>
-            <a:r>
-              <a:rPr lang="en-US" dirty="0" err="1">
-                <a:sym typeface="Wingdings" panose="05000000000000000000" pitchFamily="2" charset="2"/>
-              </a:rPr>
-              <a:t>em</a:t>
-            </a:r>
-            <a:r>
-              <a:rPr lang="en-US" dirty="0">
-                <a:sym typeface="Wingdings" panose="05000000000000000000" pitchFamily="2" charset="2"/>
-              </a:rPr>
-              <a:t> </a:t>
-            </a:r>
-            <a:r>
-              <a:rPr lang="en-US" dirty="0" err="1">
-                <a:sym typeface="Wingdings" panose="05000000000000000000" pitchFamily="2" charset="2"/>
-              </a:rPr>
-              <a:t>grupo</a:t>
-            </a:r>
-            <a:r>
-              <a:rPr lang="en-US" dirty="0">
-                <a:sym typeface="Wingdings" panose="05000000000000000000" pitchFamily="2" charset="2"/>
-              </a:rPr>
-              <a:t>  A </a:t>
-            </a:r>
-            <a:r>
-              <a:rPr lang="en-US" dirty="0" err="1">
-                <a:sym typeface="Wingdings" panose="05000000000000000000" pitchFamily="2" charset="2"/>
-              </a:rPr>
-              <a:t>decidir</a:t>
-            </a:r>
             <a:endParaRPr lang="en-US" dirty="0">
               <a:sym typeface="Wingdings" panose="05000000000000000000" pitchFamily="2" charset="2"/>
             </a:endParaRPr>
           </a:p>
           <a:p>
-            <a:pPr>
-              <a:buFont typeface="+mj-lt"/>
-              <a:buAutoNum type="arabicPeriod"/>
-            </a:pPr>
-            <a:r>
-              <a:rPr lang="en-US" dirty="0" err="1">
-                <a:sym typeface="Wingdings" panose="05000000000000000000" pitchFamily="2" charset="2"/>
-              </a:rPr>
-              <a:t>Trabalhos</a:t>
-            </a:r>
-            <a:r>
-              <a:rPr lang="en-US" dirty="0">
-                <a:sym typeface="Wingdings" panose="05000000000000000000" pitchFamily="2" charset="2"/>
-              </a:rPr>
-              <a:t>  Quem </a:t>
-            </a:r>
-            <a:r>
-              <a:rPr lang="en-US" dirty="0" err="1">
-                <a:sym typeface="Wingdings" panose="05000000000000000000" pitchFamily="2" charset="2"/>
-              </a:rPr>
-              <a:t>faltar</a:t>
-            </a:r>
-            <a:r>
-              <a:rPr lang="en-US" dirty="0">
-                <a:sym typeface="Wingdings" panose="05000000000000000000" pitchFamily="2" charset="2"/>
-              </a:rPr>
-              <a:t> no </a:t>
-            </a:r>
-            <a:r>
-              <a:rPr lang="en-US" dirty="0" err="1">
-                <a:sym typeface="Wingdings" panose="05000000000000000000" pitchFamily="2" charset="2"/>
-              </a:rPr>
-              <a:t>dia</a:t>
-            </a:r>
-            <a:r>
-              <a:rPr lang="en-US" dirty="0">
-                <a:sym typeface="Wingdings" panose="05000000000000000000" pitchFamily="2" charset="2"/>
-              </a:rPr>
-              <a:t> da </a:t>
-            </a:r>
-            <a:r>
-              <a:rPr lang="en-US" dirty="0" err="1">
-                <a:sym typeface="Wingdings" panose="05000000000000000000" pitchFamily="2" charset="2"/>
-              </a:rPr>
-              <a:t>entrega</a:t>
-            </a:r>
-            <a:r>
-              <a:rPr lang="en-US" dirty="0">
-                <a:sym typeface="Wingdings" panose="05000000000000000000" pitchFamily="2" charset="2"/>
-              </a:rPr>
-              <a:t> </a:t>
-            </a:r>
-            <a:r>
-              <a:rPr lang="en-US" dirty="0" err="1">
-                <a:sym typeface="Wingdings" panose="05000000000000000000" pitchFamily="2" charset="2"/>
-              </a:rPr>
-              <a:t>ficará</a:t>
-            </a:r>
-            <a:r>
-              <a:rPr lang="en-US" dirty="0">
-                <a:sym typeface="Wingdings" panose="05000000000000000000" pitchFamily="2" charset="2"/>
-              </a:rPr>
-              <a:t> </a:t>
-            </a:r>
-            <a:r>
-              <a:rPr lang="en-US" dirty="0" err="1">
-                <a:sym typeface="Wingdings" panose="05000000000000000000" pitchFamily="2" charset="2"/>
-              </a:rPr>
-              <a:t>sem</a:t>
-            </a:r>
-            <a:r>
-              <a:rPr lang="en-US" dirty="0">
-                <a:sym typeface="Wingdings" panose="05000000000000000000" pitchFamily="2" charset="2"/>
-              </a:rPr>
-              <a:t> nota</a:t>
-            </a:r>
-            <a:endParaRPr lang="pt-BR" dirty="0"/>
-          </a:p>
-          <a:p>
-            <a:pPr>
-              <a:buFont typeface="+mj-lt"/>
-              <a:buAutoNum type="arabicPeriod"/>
-            </a:pPr>
-            <a:r>
-              <a:rPr lang="pt-BR" dirty="0"/>
-              <a:t>Seu professor é DALTÔNICO!!!</a:t>
-            </a:r>
-          </a:p>
-          <a:p>
-            <a:pPr>
-              <a:buFont typeface="+mj-lt"/>
-              <a:buAutoNum type="arabicPeriod"/>
-            </a:pPr>
-            <a:r>
-              <a:rPr lang="en-US" dirty="0" err="1"/>
-              <a:t>Celulares</a:t>
-            </a:r>
-            <a:r>
-              <a:rPr lang="en-US" dirty="0"/>
-              <a:t> / WhatsApp / Conversas </a:t>
-            </a:r>
-            <a:r>
-              <a:rPr lang="en-US" dirty="0" err="1"/>
-              <a:t>paralelas</a:t>
-            </a:r>
-            <a:r>
-              <a:rPr lang="en-US" dirty="0"/>
-              <a:t> </a:t>
-            </a:r>
-            <a:r>
-              <a:rPr lang="en-US" dirty="0">
-                <a:sym typeface="Wingdings" panose="05000000000000000000" pitchFamily="2" charset="2"/>
-              </a:rPr>
-              <a:t> </a:t>
-            </a:r>
-            <a:r>
-              <a:rPr lang="en-US" dirty="0" err="1">
-                <a:sym typeface="Wingdings" panose="05000000000000000000" pitchFamily="2" charset="2"/>
-              </a:rPr>
-              <a:t>Lá</a:t>
-            </a:r>
-            <a:r>
-              <a:rPr lang="en-US" dirty="0">
-                <a:sym typeface="Wingdings" panose="05000000000000000000" pitchFamily="2" charset="2"/>
-              </a:rPr>
-              <a:t> fora</a:t>
-            </a:r>
+            <a:endParaRPr lang="en-US" dirty="0">
+              <a:sym typeface="Wingdings" panose="05000000000000000000" pitchFamily="2" charset="2"/>
+            </a:endParaRPr>
           </a:p>
         </p:txBody>
       </p:sp>
@@ -7255,7 +7502,7 @@
           <a:p>
             <a:r>
               <a:rPr lang="pt-BR"/>
-              <a:t>Programação II - André L. Braga</a:t>
+              <a:t>PROGRAMACAO II  -  Prof.  André L. Braga</a:t>
             </a:r>
             <a:endParaRPr lang="pt-BR" dirty="0"/>
           </a:p>
@@ -7289,7 +7536,7 @@
           <p:cNvPr id="6" name="Espaço Reservado para Data 5">
             <a:extLst>
               <a:ext uri="{FF2B5EF4-FFF2-40B4-BE49-F238E27FC236}">
-                <a16:creationId xmlns:a16="http://schemas.microsoft.com/office/drawing/2014/main" id="{D4182FD9-8866-4ED9-B465-65877B71E82A}"/>
+                <a16:creationId xmlns:a16="http://schemas.microsoft.com/office/drawing/2014/main" id="{84329F1D-90F6-4E3F-BA9C-3A36C97C4757}"/>
               </a:ext>
             </a:extLst>
           </p:cNvPr>
@@ -7307,7 +7554,7 @@
           <a:p>
             <a:r>
               <a:rPr lang="pt-BR"/>
-              <a:t>21/02/2018</a:t>
+              <a:t>01/08/2018</a:t>
             </a:r>
           </a:p>
         </p:txBody>
@@ -7322,6 +7569,14 @@
   <p:clrMapOvr>
     <a:masterClrMapping/>
   </p:clrMapOvr>
+  <mc:AlternateContent xmlns:mc="http://schemas.openxmlformats.org/markup-compatibility/2006" xmlns:p14="http://schemas.microsoft.com/office/powerpoint/2010/main">
+    <mc:Choice Requires="p14">
+      <p:transition p14:dur="10" advTm="3000"/>
+    </mc:Choice>
+    <mc:Fallback xmlns="">
+      <p:transition advTm="3000"/>
+    </mc:Fallback>
+  </mc:AlternateContent>
 </p:sld>
 </file>
 
